--- a/UWA Final Project.pptx
+++ b/UWA Final Project.pptx
@@ -16,6 +16,9 @@
   </p:sldIdLst>
   <p:sldSz cx="12192000" cy="6858000"/>
   <p:notesSz cx="6858000" cy="9144000"/>
+  <p:custDataLst>
+    <p:tags r:id="rId10"/>
+  </p:custDataLst>
   <p:defaultTextStyle>
     <a:defPPr>
       <a:defRPr lang="en-US"/>
@@ -2789,6 +2792,72 @@
           <a:chExt cx="0" cy="0"/>
         </a:xfrm>
       </p:grpSpPr>
+      <p:graphicFrame>
+        <p:nvGraphicFramePr>
+          <p:cNvPr id="8" name="Object 7" hidden="1">
+            <a:extLst>
+              <a:ext uri="{FF2B5EF4-FFF2-40B4-BE49-F238E27FC236}">
+                <a16:creationId xmlns:a16="http://schemas.microsoft.com/office/drawing/2014/main" id="{177E04C6-C0C4-462A-8CA7-0436A56C5A3D}"/>
+              </a:ext>
+            </a:extLst>
+          </p:cNvPr>
+          <p:cNvGraphicFramePr>
+            <a:graphicFrameLocks noChangeAspect="1"/>
+          </p:cNvGraphicFramePr>
+          <p:nvPr userDrawn="1">
+            <p:custDataLst>
+              <p:tags r:id="rId13"/>
+            </p:custDataLst>
+            <p:extLst>
+              <p:ext uri="{D42A27DB-BD31-4B8C-83A1-F6EECF244321}">
+                <p14:modId xmlns:p14="http://schemas.microsoft.com/office/powerpoint/2010/main" val="4171846565"/>
+              </p:ext>
+            </p:extLst>
+          </p:nvPr>
+        </p:nvGraphicFramePr>
+        <p:xfrm>
+          <a:off x="1588" y="1588"/>
+          <a:ext cx="1588" cy="1588"/>
+        </p:xfrm>
+        <a:graphic>
+          <a:graphicData uri="http://schemas.openxmlformats.org/presentationml/2006/ole">
+            <mc:AlternateContent xmlns:mc="http://schemas.openxmlformats.org/markup-compatibility/2006">
+              <mc:Choice xmlns:v="urn:schemas-microsoft-com:vml" Requires="v">
+                <p:oleObj name="think-cell Slide" r:id="rId14" imgW="411" imgH="411" progId="TCLayout.ActiveDocument.1">
+                  <p:embed/>
+                </p:oleObj>
+              </mc:Choice>
+              <mc:Fallback>
+                <p:oleObj name="think-cell Slide" r:id="rId14" imgW="411" imgH="411" progId="TCLayout.ActiveDocument.1">
+                  <p:embed/>
+                  <p:pic>
+                    <p:nvPicPr>
+                      <p:cNvPr id="0" name=""/>
+                      <p:cNvPicPr/>
+                      <p:nvPr/>
+                    </p:nvPicPr>
+                    <p:blipFill>
+                      <a:blip r:embed="rId15"/>
+                      <a:stretch>
+                        <a:fillRect/>
+                      </a:stretch>
+                    </p:blipFill>
+                    <p:spPr>
+                      <a:xfrm>
+                        <a:off x="1588" y="1588"/>
+                        <a:ext cx="1588" cy="1588"/>
+                      </a:xfrm>
+                      <a:prstGeom prst="rect">
+                        <a:avLst/>
+                      </a:prstGeom>
+                    </p:spPr>
+                  </p:pic>
+                </p:oleObj>
+              </mc:Fallback>
+            </mc:AlternateContent>
+          </a:graphicData>
+        </a:graphic>
+      </p:graphicFrame>
       <p:sp>
         <p:nvSpPr>
           <p:cNvPr id="2" name="Title Placeholder 1">
@@ -3604,7 +3673,7 @@
                 <a:latin typeface="Arial" panose="020B0604020202020204" pitchFamily="34" charset="0"/>
                 <a:cs typeface="Arial" panose="020B0604020202020204" pitchFamily="34" charset="0"/>
               </a:rPr>
-              <a:t>An analysis of environmental data using machine learning models as a predictor for flooding events in the Serengeti to answer the following questions;</a:t>
+              <a:t>An analysis of environmental data using machine learning models as a predictor for flooding events in the Serengeti to answer the following questions.</a:t>
             </a:r>
             <a:endParaRPr lang="en-AU" sz="3200" dirty="0">
               <a:solidFill>
@@ -3635,7 +3704,7 @@
     <p:bg>
       <p:bgPr>
         <a:blipFill dpi="0" rotWithShape="1">
-          <a:blip r:embed="rId2">
+          <a:blip r:embed="rId3">
             <a:lum/>
           </a:blip>
           <a:srcRect/>
@@ -3660,6 +3729,72 @@
           <a:chExt cx="0" cy="0"/>
         </a:xfrm>
       </p:grpSpPr>
+      <p:graphicFrame>
+        <p:nvGraphicFramePr>
+          <p:cNvPr id="5" name="Object 4" hidden="1">
+            <a:extLst>
+              <a:ext uri="{FF2B5EF4-FFF2-40B4-BE49-F238E27FC236}">
+                <a16:creationId xmlns:a16="http://schemas.microsoft.com/office/drawing/2014/main" id="{A0CAC6C6-8A87-483E-A955-4BFD1C472272}"/>
+              </a:ext>
+            </a:extLst>
+          </p:cNvPr>
+          <p:cNvGraphicFramePr>
+            <a:graphicFrameLocks noChangeAspect="1"/>
+          </p:cNvGraphicFramePr>
+          <p:nvPr>
+            <p:custDataLst>
+              <p:tags r:id="rId1"/>
+            </p:custDataLst>
+            <p:extLst>
+              <p:ext uri="{D42A27DB-BD31-4B8C-83A1-F6EECF244321}">
+                <p14:modId xmlns:p14="http://schemas.microsoft.com/office/powerpoint/2010/main" val="970716077"/>
+              </p:ext>
+            </p:extLst>
+          </p:nvPr>
+        </p:nvGraphicFramePr>
+        <p:xfrm>
+          <a:off x="1588" y="1588"/>
+          <a:ext cx="1588" cy="1588"/>
+        </p:xfrm>
+        <a:graphic>
+          <a:graphicData uri="http://schemas.openxmlformats.org/presentationml/2006/ole">
+            <mc:AlternateContent xmlns:mc="http://schemas.openxmlformats.org/markup-compatibility/2006">
+              <mc:Choice xmlns:v="urn:schemas-microsoft-com:vml" Requires="v">
+                <p:oleObj name="think-cell Slide" r:id="rId4" imgW="411" imgH="411" progId="TCLayout.ActiveDocument.1">
+                  <p:embed/>
+                </p:oleObj>
+              </mc:Choice>
+              <mc:Fallback>
+                <p:oleObj name="think-cell Slide" r:id="rId4" imgW="411" imgH="411" progId="TCLayout.ActiveDocument.1">
+                  <p:embed/>
+                  <p:pic>
+                    <p:nvPicPr>
+                      <p:cNvPr id="0" name=""/>
+                      <p:cNvPicPr/>
+                      <p:nvPr/>
+                    </p:nvPicPr>
+                    <p:blipFill>
+                      <a:blip r:embed="rId5"/>
+                      <a:stretch>
+                        <a:fillRect/>
+                      </a:stretch>
+                    </p:blipFill>
+                    <p:spPr>
+                      <a:xfrm>
+                        <a:off x="1588" y="1588"/>
+                        <a:ext cx="1588" cy="1588"/>
+                      </a:xfrm>
+                      <a:prstGeom prst="rect">
+                        <a:avLst/>
+                      </a:prstGeom>
+                    </p:spPr>
+                  </p:pic>
+                </p:oleObj>
+              </mc:Fallback>
+            </mc:AlternateContent>
+          </a:graphicData>
+        </a:graphic>
+      </p:graphicFrame>
       <p:sp>
         <p:nvSpPr>
           <p:cNvPr id="2" name="Title 1">
@@ -3689,7 +3824,7 @@
           </a:solidFill>
         </p:spPr>
         <p:txBody>
-          <a:bodyPr/>
+          <a:bodyPr vert="horz"/>
           <a:lstStyle/>
           <a:p>
             <a:r>
@@ -3700,7 +3835,7 @@
                 <a:latin typeface="Arial" panose="020B0604020202020204" pitchFamily="34" charset="0"/>
                 <a:cs typeface="Arial" panose="020B0604020202020204" pitchFamily="34" charset="0"/>
               </a:rPr>
-              <a:t>Questions-</a:t>
+              <a:t>Questions</a:t>
             </a:r>
             <a:r>
               <a:rPr lang="en-AU" dirty="0">
@@ -4073,7 +4208,9 @@
           </a:solidFill>
         </p:spPr>
         <p:txBody>
-          <a:bodyPr/>
+          <a:bodyPr>
+            <a:normAutofit lnSpcReduction="10000"/>
+          </a:bodyPr>
           <a:lstStyle/>
           <a:p>
             <a:r>
@@ -4120,7 +4257,27 @@
                 <a:latin typeface="Arial" panose="020B0604020202020204" pitchFamily="34" charset="0"/>
                 <a:cs typeface="Arial" panose="020B0604020202020204" pitchFamily="34" charset="0"/>
               </a:rPr>
-              <a:t>To visualise our data, primarily used Tableau and leaflet.</a:t>
+              <a:t>To visualise our data, primarily used Tableau and Leaflet &amp; </a:t>
+            </a:r>
+            <a:r>
+              <a:rPr lang="en-AU" dirty="0" err="1">
+                <a:solidFill>
+                  <a:schemeClr val="bg1"/>
+                </a:solidFill>
+                <a:latin typeface="Arial" panose="020B0604020202020204" pitchFamily="34" charset="0"/>
+                <a:cs typeface="Arial" panose="020B0604020202020204" pitchFamily="34" charset="0"/>
+              </a:rPr>
+              <a:t>JQuery</a:t>
+            </a:r>
+            <a:r>
+              <a:rPr lang="en-AU" dirty="0">
+                <a:solidFill>
+                  <a:schemeClr val="bg1"/>
+                </a:solidFill>
+                <a:latin typeface="Arial" panose="020B0604020202020204" pitchFamily="34" charset="0"/>
+                <a:cs typeface="Arial" panose="020B0604020202020204" pitchFamily="34" charset="0"/>
+              </a:rPr>
+              <a:t>.</a:t>
             </a:r>
           </a:p>
         </p:txBody>
@@ -4188,7 +4345,7 @@
         <p:spPr>
           <a:xfrm>
             <a:off x="0" y="1986115"/>
-            <a:ext cx="10402529" cy="2885770"/>
+            <a:ext cx="10402529" cy="3457254"/>
           </a:xfrm>
           <a:solidFill>
             <a:schemeClr val="bg2">
@@ -4199,7 +4356,7 @@
         </p:spPr>
         <p:txBody>
           <a:bodyPr>
-            <a:normAutofit/>
+            <a:normAutofit lnSpcReduction="10000"/>
           </a:bodyPr>
           <a:lstStyle/>
           <a:p>
@@ -4211,13 +4368,21 @@
                 <a:latin typeface="Arial" panose="020B0604020202020204" pitchFamily="34" charset="0"/>
                 <a:cs typeface="Arial" panose="020B0604020202020204" pitchFamily="34" charset="0"/>
               </a:rPr>
-              <a:t>Logistics regression</a:t>
-            </a:r>
-          </a:p>
-          <a:p>
-            <a:pPr marL="0" indent="0">
-              <a:buNone/>
-            </a:pPr>
+              <a:t>Logistics Regression</a:t>
+            </a:r>
+          </a:p>
+          <a:p>
+            <a:pPr lvl="1"/>
+            <a:r>
+              <a:rPr lang="en-AU" sz="3200" dirty="0">
+                <a:solidFill>
+                  <a:schemeClr val="bg1"/>
+                </a:solidFill>
+                <a:latin typeface="Arial" panose="020B0604020202020204" pitchFamily="34" charset="0"/>
+                <a:cs typeface="Arial" panose="020B0604020202020204" pitchFamily="34" charset="0"/>
+              </a:rPr>
+              <a:t>No change in model accuracy between base, RFECV (Select Features) and a Tuned Model using GSCV.</a:t>
+            </a:r>
             <a:endParaRPr lang="en-AU" sz="3600" dirty="0">
               <a:solidFill>
                 <a:schemeClr val="bg1"/>
@@ -4236,6 +4401,19 @@
                 <a:cs typeface="Arial" panose="020B0604020202020204" pitchFamily="34" charset="0"/>
               </a:rPr>
               <a:t>Random Forest</a:t>
+            </a:r>
+          </a:p>
+          <a:p>
+            <a:pPr lvl="1"/>
+            <a:r>
+              <a:rPr lang="en-AU" sz="3200" dirty="0">
+                <a:solidFill>
+                  <a:schemeClr val="bg1"/>
+                </a:solidFill>
+                <a:latin typeface="Arial" panose="020B0604020202020204" pitchFamily="34" charset="0"/>
+                <a:cs typeface="Arial" panose="020B0604020202020204" pitchFamily="34" charset="0"/>
+              </a:rPr>
+              <a:t>Best model accuracy with base model, but RFECV and GSCV comparable.</a:t>
             </a:r>
           </a:p>
           <a:p>
@@ -4584,7 +4762,9 @@
           </a:solidFill>
         </p:spPr>
         <p:txBody>
-          <a:bodyPr/>
+          <a:bodyPr>
+            <a:normAutofit fontScale="92500" lnSpcReduction="20000"/>
+          </a:bodyPr>
           <a:lstStyle/>
           <a:p>
             <a:r>
@@ -4617,6 +4797,40 @@
                 <a:cs typeface="Arial" panose="020B0604020202020204" pitchFamily="34" charset="0"/>
               </a:rPr>
               <a:t>Insufficient data because only one wet and one dry season was assumed.</a:t>
+            </a:r>
+          </a:p>
+          <a:p>
+            <a:endParaRPr lang="en-AU" dirty="0">
+              <a:solidFill>
+                <a:schemeClr val="bg1"/>
+              </a:solidFill>
+              <a:latin typeface="Arial" panose="020B0604020202020204" pitchFamily="34" charset="0"/>
+              <a:cs typeface="Arial" panose="020B0604020202020204" pitchFamily="34" charset="0"/>
+            </a:endParaRPr>
+          </a:p>
+          <a:p>
+            <a:r>
+              <a:rPr lang="en-AU" dirty="0">
+                <a:solidFill>
+                  <a:schemeClr val="bg1"/>
+                </a:solidFill>
+                <a:latin typeface="Arial" panose="020B0604020202020204" pitchFamily="34" charset="0"/>
+                <a:cs typeface="Arial" panose="020B0604020202020204" pitchFamily="34" charset="0"/>
+              </a:rPr>
+              <a:t>Is having more than one weather station essential?</a:t>
+            </a:r>
+          </a:p>
+          <a:p>
+            <a:pPr lvl="1"/>
+            <a:r>
+              <a:rPr lang="en-AU" dirty="0">
+                <a:solidFill>
+                  <a:schemeClr val="bg1"/>
+                </a:solidFill>
+                <a:latin typeface="Arial" panose="020B0604020202020204" pitchFamily="34" charset="0"/>
+                <a:cs typeface="Arial" panose="020B0604020202020204" pitchFamily="34" charset="0"/>
+              </a:rPr>
+              <a:t>Contingency? Risk mitigation? Maintenance?</a:t>
             </a:r>
           </a:p>
           <a:p>
@@ -4733,7 +4947,9 @@
           </a:xfrm>
         </p:spPr>
         <p:txBody>
-          <a:bodyPr/>
+          <a:bodyPr>
+            <a:normAutofit fontScale="92500" lnSpcReduction="20000"/>
+          </a:bodyPr>
           <a:lstStyle/>
           <a:p>
             <a:r>
@@ -4757,7 +4973,7 @@
                 <a:latin typeface="Arial" panose="020B0604020202020204" pitchFamily="34" charset="0"/>
                 <a:cs typeface="Arial" panose="020B0604020202020204" pitchFamily="34" charset="0"/>
               </a:rPr>
-              <a:t>Data from multiple seasons can be used to train our ML models</a:t>
+              <a:t>Data from multiple seasons can be used to train our ML models.</a:t>
             </a:r>
           </a:p>
           <a:p>
@@ -4774,7 +4990,41 @@
                 <a:latin typeface="Arial" panose="020B0604020202020204" pitchFamily="34" charset="0"/>
                 <a:cs typeface="Arial" panose="020B0604020202020204" pitchFamily="34" charset="0"/>
               </a:rPr>
-              <a:t>Elevation, ground and ambient temperature, barometric fluctuations can be used as variables to train our ML models for more accurate predictions</a:t>
+              <a:t>Elevation, ground and ambient temperature, barometric fluctuations can be used as variables to train our ML models for more accurate predictions.</a:t>
+            </a:r>
+          </a:p>
+          <a:p>
+            <a:pPr lvl="1"/>
+            <a:endParaRPr lang="en-AU" dirty="0">
+              <a:latin typeface="Arial" panose="020B0604020202020204" pitchFamily="34" charset="0"/>
+              <a:cs typeface="Arial" panose="020B0604020202020204" pitchFamily="34" charset="0"/>
+            </a:endParaRPr>
+          </a:p>
+          <a:p>
+            <a:pPr lvl="1"/>
+            <a:r>
+              <a:rPr lang="en-AU" dirty="0">
+                <a:latin typeface="Arial" panose="020B0604020202020204" pitchFamily="34" charset="0"/>
+                <a:cs typeface="Arial" panose="020B0604020202020204" pitchFamily="34" charset="0"/>
+              </a:rPr>
+              <a:t>Test for other water systems. Does the model work elsewhere?</a:t>
+            </a:r>
+          </a:p>
+          <a:p>
+            <a:pPr lvl="1"/>
+            <a:endParaRPr lang="en-AU" dirty="0">
+              <a:latin typeface="Arial" panose="020B0604020202020204" pitchFamily="34" charset="0"/>
+              <a:cs typeface="Arial" panose="020B0604020202020204" pitchFamily="34" charset="0"/>
+            </a:endParaRPr>
+          </a:p>
+          <a:p>
+            <a:pPr lvl="1"/>
+            <a:r>
+              <a:rPr lang="en-AU" dirty="0">
+                <a:latin typeface="Arial" panose="020B0604020202020204" pitchFamily="34" charset="0"/>
+                <a:cs typeface="Arial" panose="020B0604020202020204" pitchFamily="34" charset="0"/>
+              </a:rPr>
+              <a:t>Alternatively, can other catchments provide even more variability in conditions which will result in a more accurate model? Or provide additional insight to geographic factors which may affect water level readings?</a:t>
             </a:r>
           </a:p>
           <a:p>
@@ -4799,6 +5049,24 @@
     <a:masterClrMapping/>
   </p:clrMapOvr>
 </p:sld>
+</file>
+
+<file path=ppt/tags/tag1.xml><?xml version="1.0" encoding="utf-8"?>
+<p:tagLst xmlns:a="http://schemas.openxmlformats.org/drawingml/2006/main" xmlns:r="http://schemas.openxmlformats.org/officeDocument/2006/relationships" xmlns:p="http://schemas.openxmlformats.org/presentationml/2006/main">
+  <p:tag name="THINKCELLUNDODONOTDELETE" val="0"/>
+</p:tagLst>
+</file>
+
+<file path=ppt/tags/tag2.xml><?xml version="1.0" encoding="utf-8"?>
+<p:tagLst xmlns:a="http://schemas.openxmlformats.org/drawingml/2006/main" xmlns:r="http://schemas.openxmlformats.org/officeDocument/2006/relationships" xmlns:p="http://schemas.openxmlformats.org/presentationml/2006/main">
+  <p:tag name="THINKCELLSHAPEDONOTDELETE" val="thinkcellActiveDocDoNotDelete"/>
+</p:tagLst>
+</file>
+
+<file path=ppt/tags/tag3.xml><?xml version="1.0" encoding="utf-8"?>
+<p:tagLst xmlns:a="http://schemas.openxmlformats.org/drawingml/2006/main" xmlns:r="http://schemas.openxmlformats.org/officeDocument/2006/relationships" xmlns:p="http://schemas.openxmlformats.org/presentationml/2006/main">
+  <p:tag name="THINKCELLSHAPEDONOTDELETE" val="thinkcellActiveDocDoNotDelete"/>
+</p:tagLst>
 </file>
 
 <file path=ppt/theme/theme1.xml><?xml version="1.0" encoding="utf-8"?>

--- a/UWA Final Project.pptx
+++ b/UWA Final Project.pptx
@@ -271,7 +271,7 @@
           <a:p>
             <a:fld id="{C3286903-4027-4BE5-9D99-D925E7E4559C}" type="datetimeFigureOut">
               <a:rPr lang="en-AU" smtClean="0"/>
-              <a:t>24/08/2021</a:t>
+              <a:t>26/08/2021</a:t>
             </a:fld>
             <a:endParaRPr lang="en-AU"/>
           </a:p>
@@ -471,7 +471,7 @@
           <a:p>
             <a:fld id="{C3286903-4027-4BE5-9D99-D925E7E4559C}" type="datetimeFigureOut">
               <a:rPr lang="en-AU" smtClean="0"/>
-              <a:t>24/08/2021</a:t>
+              <a:t>26/08/2021</a:t>
             </a:fld>
             <a:endParaRPr lang="en-AU"/>
           </a:p>
@@ -681,7 +681,7 @@
           <a:p>
             <a:fld id="{C3286903-4027-4BE5-9D99-D925E7E4559C}" type="datetimeFigureOut">
               <a:rPr lang="en-AU" smtClean="0"/>
-              <a:t>24/08/2021</a:t>
+              <a:t>26/08/2021</a:t>
             </a:fld>
             <a:endParaRPr lang="en-AU"/>
           </a:p>
@@ -881,7 +881,7 @@
           <a:p>
             <a:fld id="{C3286903-4027-4BE5-9D99-D925E7E4559C}" type="datetimeFigureOut">
               <a:rPr lang="en-AU" smtClean="0"/>
-              <a:t>24/08/2021</a:t>
+              <a:t>26/08/2021</a:t>
             </a:fld>
             <a:endParaRPr lang="en-AU"/>
           </a:p>
@@ -1157,7 +1157,7 @@
           <a:p>
             <a:fld id="{C3286903-4027-4BE5-9D99-D925E7E4559C}" type="datetimeFigureOut">
               <a:rPr lang="en-AU" smtClean="0"/>
-              <a:t>24/08/2021</a:t>
+              <a:t>26/08/2021</a:t>
             </a:fld>
             <a:endParaRPr lang="en-AU"/>
           </a:p>
@@ -1425,7 +1425,7 @@
           <a:p>
             <a:fld id="{C3286903-4027-4BE5-9D99-D925E7E4559C}" type="datetimeFigureOut">
               <a:rPr lang="en-AU" smtClean="0"/>
-              <a:t>24/08/2021</a:t>
+              <a:t>26/08/2021</a:t>
             </a:fld>
             <a:endParaRPr lang="en-AU"/>
           </a:p>
@@ -1840,7 +1840,7 @@
           <a:p>
             <a:fld id="{C3286903-4027-4BE5-9D99-D925E7E4559C}" type="datetimeFigureOut">
               <a:rPr lang="en-AU" smtClean="0"/>
-              <a:t>24/08/2021</a:t>
+              <a:t>26/08/2021</a:t>
             </a:fld>
             <a:endParaRPr lang="en-AU"/>
           </a:p>
@@ -1982,7 +1982,7 @@
           <a:p>
             <a:fld id="{C3286903-4027-4BE5-9D99-D925E7E4559C}" type="datetimeFigureOut">
               <a:rPr lang="en-AU" smtClean="0"/>
-              <a:t>24/08/2021</a:t>
+              <a:t>26/08/2021</a:t>
             </a:fld>
             <a:endParaRPr lang="en-AU"/>
           </a:p>
@@ -2095,7 +2095,7 @@
           <a:p>
             <a:fld id="{C3286903-4027-4BE5-9D99-D925E7E4559C}" type="datetimeFigureOut">
               <a:rPr lang="en-AU" smtClean="0"/>
-              <a:t>24/08/2021</a:t>
+              <a:t>26/08/2021</a:t>
             </a:fld>
             <a:endParaRPr lang="en-AU"/>
           </a:p>
@@ -2408,7 +2408,7 @@
           <a:p>
             <a:fld id="{C3286903-4027-4BE5-9D99-D925E7E4559C}" type="datetimeFigureOut">
               <a:rPr lang="en-AU" smtClean="0"/>
-              <a:t>24/08/2021</a:t>
+              <a:t>26/08/2021</a:t>
             </a:fld>
             <a:endParaRPr lang="en-AU"/>
           </a:p>
@@ -2697,7 +2697,7 @@
           <a:p>
             <a:fld id="{C3286903-4027-4BE5-9D99-D925E7E4559C}" type="datetimeFigureOut">
               <a:rPr lang="en-AU" smtClean="0"/>
-              <a:t>24/08/2021</a:t>
+              <a:t>26/08/2021</a:t>
             </a:fld>
             <a:endParaRPr lang="en-AU"/>
           </a:p>
@@ -3006,7 +3006,7 @@
           <a:p>
             <a:fld id="{C3286903-4027-4BE5-9D99-D925E7E4559C}" type="datetimeFigureOut">
               <a:rPr lang="en-AU" smtClean="0"/>
-              <a:t>24/08/2021</a:t>
+              <a:t>26/08/2021</a:t>
             </a:fld>
             <a:endParaRPr lang="en-AU"/>
           </a:p>
@@ -3675,6 +3675,18 @@
               </a:rPr>
               <a:t>An analysis of environmental data using machine learning models as a predictor for flooding events in the Serengeti to answer the following questions.</a:t>
             </a:r>
+          </a:p>
+          <a:p>
+            <a:r>
+              <a:rPr lang="en-GB" sz="3200" dirty="0">
+                <a:solidFill>
+                  <a:schemeClr val="bg1"/>
+                </a:solidFill>
+                <a:latin typeface="Arial" panose="020B0604020202020204" pitchFamily="34" charset="0"/>
+                <a:cs typeface="Arial" panose="020B0604020202020204" pitchFamily="34" charset="0"/>
+              </a:rPr>
+              <a:t>We were able to source historic rainfall data from 4 weather stations and a downstream river level monitoring station.</a:t>
+            </a:r>
             <a:endParaRPr lang="en-AU" sz="3200" dirty="0">
               <a:solidFill>
                 <a:schemeClr val="bg1"/>
@@ -3864,8 +3876,8 @@
         </p:nvSpPr>
         <p:spPr>
           <a:xfrm>
-            <a:off x="0" y="1979612"/>
-            <a:ext cx="10382250" cy="2898775"/>
+            <a:off x="0" y="1979611"/>
+            <a:ext cx="10382250" cy="4314261"/>
           </a:xfrm>
           <a:prstGeom prst="rect">
             <a:avLst/>
@@ -4079,6 +4091,18 @@
                 <a:cs typeface="Arial" panose="020B0604020202020204" pitchFamily="34" charset="0"/>
               </a:rPr>
               <a:t>What is the accuracy across different Machine Learning models?</a:t>
+            </a:r>
+          </a:p>
+          <a:p>
+            <a:r>
+              <a:rPr lang="en-GB" sz="3200" dirty="0">
+                <a:solidFill>
+                  <a:schemeClr val="bg1"/>
+                </a:solidFill>
+                <a:latin typeface="Arial" panose="020B0604020202020204" pitchFamily="34" charset="0"/>
+                <a:cs typeface="Arial" panose="020B0604020202020204" pitchFamily="34" charset="0"/>
+              </a:rPr>
+              <a:t>Is it possible to use Machine Learning to predict the risk of downstream flooding events from real time rainfall data?</a:t>
             </a:r>
             <a:endParaRPr lang="en-AU" sz="3200" dirty="0">
               <a:solidFill>
